--- a/World GDP to Happy Score.pptx
+++ b/World GDP to Happy Score.pptx
@@ -1,15 +1,24 @@
 
 <file path=ppt/presentation.xml><?xml version="1.0" encoding="utf-8"?>
-<p:presentation xmlns:p15="http://schemas.microsoft.com/office/powerpoint/2012/main" xmlns:a="http://schemas.openxmlformats.org/drawingml/2006/main" xmlns:r="http://schemas.openxmlformats.org/officeDocument/2006/relationships" xmlns:p="http://schemas.openxmlformats.org/presentationml/2006/main" saveSubsetFonts="1" autoCompressPictures="0">
+<p:presentation xmlns:a="http://schemas.openxmlformats.org/drawingml/2006/main" xmlns:r="http://schemas.openxmlformats.org/officeDocument/2006/relationships" xmlns:p="http://schemas.openxmlformats.org/presentationml/2006/main" saveSubsetFonts="1" autoCompressPictures="0">
   <p:sldMasterIdLst>
     <p:sldMasterId id="2147483660" r:id="rId1"/>
   </p:sldMasterIdLst>
+  <p:notesMasterIdLst>
+    <p:notesMasterId r:id="rId13"/>
+  </p:notesMasterIdLst>
   <p:sldIdLst>
     <p:sldId id="256" r:id="rId2"/>
-    <p:sldId id="257" r:id="RelId0"/>
-    <p:sldId id="258" r:id="RelId1"/>
-    <p:sldId id="259" r:id="RelId2"/>
-    <p:sldId id="260" r:id="RelId3"/>
+    <p:sldId id="261" r:id="rId3"/>
+    <p:sldId id="262" r:id="rId4"/>
+    <p:sldId id="257" r:id="rId5"/>
+    <p:sldId id="263" r:id="rId6"/>
+    <p:sldId id="258" r:id="rId7"/>
+    <p:sldId id="264" r:id="rId8"/>
+    <p:sldId id="259" r:id="rId9"/>
+    <p:sldId id="265" r:id="rId10"/>
+    <p:sldId id="260" r:id="rId11"/>
+    <p:sldId id="266" r:id="rId12"/>
   </p:sldIdLst>
   <p:sldSz cx="12192000" cy="6858000"/>
   <p:notesSz cx="6858000" cy="9144000"/>
@@ -116,8 +125,358 @@
 </p:presentation>
 </file>
 
-<file path=ppt/notesSlides/notesSlide.xml><?xml version="1.0" encoding="utf-8"?>
-<p:notes xmlns:p="http://schemas.openxmlformats.org/presentationml/2006/main">
+<file path=ppt/notesMasters/notesMaster1.xml><?xml version="1.0" encoding="utf-8"?>
+<p:notesMaster xmlns:a="http://schemas.openxmlformats.org/drawingml/2006/main" xmlns:r="http://schemas.openxmlformats.org/officeDocument/2006/relationships" xmlns:p="http://schemas.openxmlformats.org/presentationml/2006/main">
+  <p:cSld>
+    <p:bg>
+      <p:bgRef idx="1001">
+        <a:schemeClr val="bg1"/>
+      </p:bgRef>
+    </p:bg>
+    <p:spTree>
+      <p:nvGrpSpPr>
+        <p:cNvPr id="1" name=""/>
+        <p:cNvGrpSpPr/>
+        <p:nvPr/>
+      </p:nvGrpSpPr>
+      <p:grpSpPr>
+        <a:xfrm>
+          <a:off x="0" y="0"/>
+          <a:ext cx="0" cy="0"/>
+          <a:chOff x="0" y="0"/>
+          <a:chExt cx="0" cy="0"/>
+        </a:xfrm>
+      </p:grpSpPr>
+      <p:sp>
+        <p:nvSpPr>
+          <p:cNvPr id="2" name="Header Placeholder 1"/>
+          <p:cNvSpPr>
+            <a:spLocks noGrp="1"/>
+          </p:cNvSpPr>
+          <p:nvPr>
+            <p:ph type="hdr" sz="quarter"/>
+          </p:nvPr>
+        </p:nvSpPr>
+        <p:spPr>
+          <a:xfrm>
+            <a:off x="0" y="0"/>
+            <a:ext cx="2971800" cy="458788"/>
+          </a:xfrm>
+          <a:prstGeom prst="rect">
+            <a:avLst/>
+          </a:prstGeom>
+        </p:spPr>
+        <p:txBody>
+          <a:bodyPr vert="horz" lIns="91440" tIns="45720" rIns="91440" bIns="45720" rtlCol="0"/>
+          <a:lstStyle>
+            <a:lvl1pPr algn="l">
+              <a:defRPr sz="1200"/>
+            </a:lvl1pPr>
+          </a:lstStyle>
+          <a:p>
+            <a:endParaRPr lang="en-US"/>
+          </a:p>
+        </p:txBody>
+      </p:sp>
+      <p:sp>
+        <p:nvSpPr>
+          <p:cNvPr id="3" name="Date Placeholder 2"/>
+          <p:cNvSpPr>
+            <a:spLocks noGrp="1"/>
+          </p:cNvSpPr>
+          <p:nvPr>
+            <p:ph type="dt" idx="1"/>
+          </p:nvPr>
+        </p:nvSpPr>
+        <p:spPr>
+          <a:xfrm>
+            <a:off x="3884613" y="0"/>
+            <a:ext cx="2971800" cy="458788"/>
+          </a:xfrm>
+          <a:prstGeom prst="rect">
+            <a:avLst/>
+          </a:prstGeom>
+        </p:spPr>
+        <p:txBody>
+          <a:bodyPr vert="horz" lIns="91440" tIns="45720" rIns="91440" bIns="45720" rtlCol="0"/>
+          <a:lstStyle>
+            <a:lvl1pPr algn="r">
+              <a:defRPr sz="1200"/>
+            </a:lvl1pPr>
+          </a:lstStyle>
+          <a:p>
+            <a:fld id="{87359725-EB9A-084C-82C8-AE845245FA83}" type="datetimeFigureOut">
+              <a:rPr lang="en-US" smtClean="0"/>
+              <a:t>12/30/21</a:t>
+            </a:fld>
+            <a:endParaRPr lang="en-US"/>
+          </a:p>
+        </p:txBody>
+      </p:sp>
+      <p:sp>
+        <p:nvSpPr>
+          <p:cNvPr id="4" name="Slide Image Placeholder 3"/>
+          <p:cNvSpPr>
+            <a:spLocks noGrp="1" noRot="1" noChangeAspect="1"/>
+          </p:cNvSpPr>
+          <p:nvPr>
+            <p:ph type="sldImg" idx="2"/>
+          </p:nvPr>
+        </p:nvSpPr>
+        <p:spPr>
+          <a:xfrm>
+            <a:off x="685800" y="1143000"/>
+            <a:ext cx="5486400" cy="3086100"/>
+          </a:xfrm>
+          <a:prstGeom prst="rect">
+            <a:avLst/>
+          </a:prstGeom>
+          <a:noFill/>
+          <a:ln w="12700">
+            <a:solidFill>
+              <a:prstClr val="black"/>
+            </a:solidFill>
+          </a:ln>
+        </p:spPr>
+        <p:txBody>
+          <a:bodyPr vert="horz" lIns="91440" tIns="45720" rIns="91440" bIns="45720" rtlCol="0" anchor="ctr"/>
+          <a:lstStyle/>
+          <a:p>
+            <a:endParaRPr lang="en-US"/>
+          </a:p>
+        </p:txBody>
+      </p:sp>
+      <p:sp>
+        <p:nvSpPr>
+          <p:cNvPr id="5" name="Notes Placeholder 4"/>
+          <p:cNvSpPr>
+            <a:spLocks noGrp="1"/>
+          </p:cNvSpPr>
+          <p:nvPr>
+            <p:ph type="body" sz="quarter" idx="3"/>
+          </p:nvPr>
+        </p:nvSpPr>
+        <p:spPr>
+          <a:xfrm>
+            <a:off x="685800" y="4400550"/>
+            <a:ext cx="5486400" cy="3600450"/>
+          </a:xfrm>
+          <a:prstGeom prst="rect">
+            <a:avLst/>
+          </a:prstGeom>
+        </p:spPr>
+        <p:txBody>
+          <a:bodyPr vert="horz" lIns="91440" tIns="45720" rIns="91440" bIns="45720" rtlCol="0"/>
+          <a:lstStyle/>
+          <a:p>
+            <a:pPr lvl="0"/>
+            <a:r>
+              <a:rPr lang="en-GB"/>
+              <a:t>Click to edit Master text styles</a:t>
+            </a:r>
+          </a:p>
+          <a:p>
+            <a:pPr lvl="1"/>
+            <a:r>
+              <a:rPr lang="en-GB"/>
+              <a:t>Second level</a:t>
+            </a:r>
+          </a:p>
+          <a:p>
+            <a:pPr lvl="2"/>
+            <a:r>
+              <a:rPr lang="en-GB"/>
+              <a:t>Third level</a:t>
+            </a:r>
+          </a:p>
+          <a:p>
+            <a:pPr lvl="3"/>
+            <a:r>
+              <a:rPr lang="en-GB"/>
+              <a:t>Fourth level</a:t>
+            </a:r>
+          </a:p>
+          <a:p>
+            <a:pPr lvl="4"/>
+            <a:r>
+              <a:rPr lang="en-GB"/>
+              <a:t>Fifth level</a:t>
+            </a:r>
+            <a:endParaRPr lang="en-US"/>
+          </a:p>
+        </p:txBody>
+      </p:sp>
+      <p:sp>
+        <p:nvSpPr>
+          <p:cNvPr id="6" name="Footer Placeholder 5"/>
+          <p:cNvSpPr>
+            <a:spLocks noGrp="1"/>
+          </p:cNvSpPr>
+          <p:nvPr>
+            <p:ph type="ftr" sz="quarter" idx="4"/>
+          </p:nvPr>
+        </p:nvSpPr>
+        <p:spPr>
+          <a:xfrm>
+            <a:off x="0" y="8685213"/>
+            <a:ext cx="2971800" cy="458787"/>
+          </a:xfrm>
+          <a:prstGeom prst="rect">
+            <a:avLst/>
+          </a:prstGeom>
+        </p:spPr>
+        <p:txBody>
+          <a:bodyPr vert="horz" lIns="91440" tIns="45720" rIns="91440" bIns="45720" rtlCol="0" anchor="b"/>
+          <a:lstStyle>
+            <a:lvl1pPr algn="l">
+              <a:defRPr sz="1200"/>
+            </a:lvl1pPr>
+          </a:lstStyle>
+          <a:p>
+            <a:endParaRPr lang="en-US"/>
+          </a:p>
+        </p:txBody>
+      </p:sp>
+      <p:sp>
+        <p:nvSpPr>
+          <p:cNvPr id="7" name="Slide Number Placeholder 6"/>
+          <p:cNvSpPr>
+            <a:spLocks noGrp="1"/>
+          </p:cNvSpPr>
+          <p:nvPr>
+            <p:ph type="sldNum" sz="quarter" idx="5"/>
+          </p:nvPr>
+        </p:nvSpPr>
+        <p:spPr>
+          <a:xfrm>
+            <a:off x="3884613" y="8685213"/>
+            <a:ext cx="2971800" cy="458787"/>
+          </a:xfrm>
+          <a:prstGeom prst="rect">
+            <a:avLst/>
+          </a:prstGeom>
+        </p:spPr>
+        <p:txBody>
+          <a:bodyPr vert="horz" lIns="91440" tIns="45720" rIns="91440" bIns="45720" rtlCol="0" anchor="b"/>
+          <a:lstStyle>
+            <a:lvl1pPr algn="r">
+              <a:defRPr sz="1200"/>
+            </a:lvl1pPr>
+          </a:lstStyle>
+          <a:p>
+            <a:fld id="{14F737BF-7E45-574A-BE03-EC1645004F3B}" type="slidenum">
+              <a:rPr lang="en-US" smtClean="0"/>
+              <a:t>‹#›</a:t>
+            </a:fld>
+            <a:endParaRPr lang="en-US"/>
+          </a:p>
+        </p:txBody>
+      </p:sp>
+    </p:spTree>
+    <p:extLst>
+      <p:ext uri="{BB962C8B-B14F-4D97-AF65-F5344CB8AC3E}">
+        <p14:creationId xmlns:p14="http://schemas.microsoft.com/office/powerpoint/2010/main" val="3119008839"/>
+      </p:ext>
+    </p:extLst>
+  </p:cSld>
+  <p:clrMap bg1="lt1" tx1="dk1" bg2="lt2" tx2="dk2" accent1="accent1" accent2="accent2" accent3="accent3" accent4="accent4" accent5="accent5" accent6="accent6" hlink="hlink" folHlink="folHlink"/>
+  <p:notesStyle>
+    <a:lvl1pPr marL="0" algn="l" defTabSz="914400" rtl="0" eaLnBrk="1" latinLnBrk="0" hangingPunct="1">
+      <a:defRPr sz="1200" kern="1200">
+        <a:solidFill>
+          <a:schemeClr val="tx1"/>
+        </a:solidFill>
+        <a:latin typeface="+mn-lt"/>
+        <a:ea typeface="+mn-ea"/>
+        <a:cs typeface="+mn-cs"/>
+      </a:defRPr>
+    </a:lvl1pPr>
+    <a:lvl2pPr marL="457200" algn="l" defTabSz="914400" rtl="0" eaLnBrk="1" latinLnBrk="0" hangingPunct="1">
+      <a:defRPr sz="1200" kern="1200">
+        <a:solidFill>
+          <a:schemeClr val="tx1"/>
+        </a:solidFill>
+        <a:latin typeface="+mn-lt"/>
+        <a:ea typeface="+mn-ea"/>
+        <a:cs typeface="+mn-cs"/>
+      </a:defRPr>
+    </a:lvl2pPr>
+    <a:lvl3pPr marL="914400" algn="l" defTabSz="914400" rtl="0" eaLnBrk="1" latinLnBrk="0" hangingPunct="1">
+      <a:defRPr sz="1200" kern="1200">
+        <a:solidFill>
+          <a:schemeClr val="tx1"/>
+        </a:solidFill>
+        <a:latin typeface="+mn-lt"/>
+        <a:ea typeface="+mn-ea"/>
+        <a:cs typeface="+mn-cs"/>
+      </a:defRPr>
+    </a:lvl3pPr>
+    <a:lvl4pPr marL="1371600" algn="l" defTabSz="914400" rtl="0" eaLnBrk="1" latinLnBrk="0" hangingPunct="1">
+      <a:defRPr sz="1200" kern="1200">
+        <a:solidFill>
+          <a:schemeClr val="tx1"/>
+        </a:solidFill>
+        <a:latin typeface="+mn-lt"/>
+        <a:ea typeface="+mn-ea"/>
+        <a:cs typeface="+mn-cs"/>
+      </a:defRPr>
+    </a:lvl4pPr>
+    <a:lvl5pPr marL="1828800" algn="l" defTabSz="914400" rtl="0" eaLnBrk="1" latinLnBrk="0" hangingPunct="1">
+      <a:defRPr sz="1200" kern="1200">
+        <a:solidFill>
+          <a:schemeClr val="tx1"/>
+        </a:solidFill>
+        <a:latin typeface="+mn-lt"/>
+        <a:ea typeface="+mn-ea"/>
+        <a:cs typeface="+mn-cs"/>
+      </a:defRPr>
+    </a:lvl5pPr>
+    <a:lvl6pPr marL="2286000" algn="l" defTabSz="914400" rtl="0" eaLnBrk="1" latinLnBrk="0" hangingPunct="1">
+      <a:defRPr sz="1200" kern="1200">
+        <a:solidFill>
+          <a:schemeClr val="tx1"/>
+        </a:solidFill>
+        <a:latin typeface="+mn-lt"/>
+        <a:ea typeface="+mn-ea"/>
+        <a:cs typeface="+mn-cs"/>
+      </a:defRPr>
+    </a:lvl6pPr>
+    <a:lvl7pPr marL="2743200" algn="l" defTabSz="914400" rtl="0" eaLnBrk="1" latinLnBrk="0" hangingPunct="1">
+      <a:defRPr sz="1200" kern="1200">
+        <a:solidFill>
+          <a:schemeClr val="tx1"/>
+        </a:solidFill>
+        <a:latin typeface="+mn-lt"/>
+        <a:ea typeface="+mn-ea"/>
+        <a:cs typeface="+mn-cs"/>
+      </a:defRPr>
+    </a:lvl7pPr>
+    <a:lvl8pPr marL="3200400" algn="l" defTabSz="914400" rtl="0" eaLnBrk="1" latinLnBrk="0" hangingPunct="1">
+      <a:defRPr sz="1200" kern="1200">
+        <a:solidFill>
+          <a:schemeClr val="tx1"/>
+        </a:solidFill>
+        <a:latin typeface="+mn-lt"/>
+        <a:ea typeface="+mn-ea"/>
+        <a:cs typeface="+mn-cs"/>
+      </a:defRPr>
+    </a:lvl8pPr>
+    <a:lvl9pPr marL="3657600" algn="l" defTabSz="914400" rtl="0" eaLnBrk="1" latinLnBrk="0" hangingPunct="1">
+      <a:defRPr sz="1200" kern="1200">
+        <a:solidFill>
+          <a:schemeClr val="tx1"/>
+        </a:solidFill>
+        <a:latin typeface="+mn-lt"/>
+        <a:ea typeface="+mn-ea"/>
+        <a:cs typeface="+mn-cs"/>
+      </a:defRPr>
+    </a:lvl9pPr>
+  </p:notesStyle>
+</p:notesMaster>
+</file>
+
+<file path=ppt/notesSlides/notesSlide1.xml><?xml version="1.0" encoding="utf-8"?>
+<p:notes xmlns:a="http://schemas.openxmlformats.org/drawingml/2006/main" xmlns:r="http://schemas.openxmlformats.org/officeDocument/2006/relationships" xmlns:p="http://schemas.openxmlformats.org/presentationml/2006/main">
   <p:cSld>
     <p:spTree>
       <p:nvGrpSpPr>
@@ -125,12 +484,19 @@
         <p:cNvGrpSpPr/>
         <p:nvPr/>
       </p:nvGrpSpPr>
-      <p:grpSpPr/>
+      <p:grpSpPr>
+        <a:xfrm>
+          <a:off x="0" y="0"/>
+          <a:ext cx="0" cy="0"/>
+          <a:chOff x="0" y="0"/>
+          <a:chExt cx="0" cy="0"/>
+        </a:xfrm>
+      </p:grpSpPr>
       <p:sp>
         <p:nvSpPr>
           <p:cNvPr id="2" name="Slide Text"/>
           <p:cNvSpPr>
-            <a:spLocks xmlns:a="http://schemas.openxmlformats.org/drawingml/2006/main" noGrp="1"/>
+            <a:spLocks noGrp="1"/>
           </p:cNvSpPr>
           <p:nvPr>
             <p:ph type="body" idx="1"/>
@@ -138,62 +504,54 @@
         </p:nvSpPr>
         <p:spPr/>
         <p:txBody>
-          <a:bodyPr xmlns:a="http://schemas.openxmlformats.org/drawingml/2006/main"/>
-          <a:lstStyle xmlns:a="http://schemas.openxmlformats.org/drawingml/2006/main"/>
-          <a:p xmlns:a="http://schemas.openxmlformats.org/drawingml/2006/main">
+          <a:bodyPr/>
+          <a:lstStyle/>
+          <a:p>
             <a:r>
               <a:rPr b="1" dirty="0"/>
               <a:t>scatterChart</a:t>
             </a:r>
             <a:endParaRPr dirty="0"/>
           </a:p>
-          <a:p xmlns:a="http://schemas.openxmlformats.org/drawingml/2006/main">
+          <a:p>
             <a:r>
               <a:rPr b="0" dirty="0"/>
               <a:t>No alt text provided</a:t>
             </a:r>
             <a:endParaRPr dirty="0"/>
           </a:p>
-          <a:p xmlns:a="http://schemas.openxmlformats.org/drawingml/2006/main">
-            <a:r>
-              <a:rPr b="0" dirty="0"/>
-              <a:t/>
-            </a:r>
+          <a:p>
             <a:endParaRPr dirty="0"/>
           </a:p>
-          <a:p xmlns:a="http://schemas.openxmlformats.org/drawingml/2006/main">
+          <a:p>
             <a:r>
               <a:rPr b="1" dirty="0"/>
               <a:t>textbox</a:t>
             </a:r>
             <a:endParaRPr dirty="0"/>
           </a:p>
-          <a:p xmlns:a="http://schemas.openxmlformats.org/drawingml/2006/main">
+          <a:p>
             <a:r>
               <a:rPr b="0" dirty="0"/>
               <a:t>No alt text provided</a:t>
             </a:r>
             <a:endParaRPr dirty="0"/>
           </a:p>
-          <a:p xmlns:a="http://schemas.openxmlformats.org/drawingml/2006/main">
-            <a:r>
-              <a:rPr b="0" dirty="0"/>
-              <a:t/>
-            </a:r>
+          <a:p>
             <a:endParaRPr dirty="0"/>
           </a:p>
         </p:txBody>
       </p:sp>
     </p:spTree>
-    <p:clrMapOvr>
-      <a:masterClrMapping xmlns:a="http://schemas.openxmlformats.org/drawingml/2006/main"/>
-    </p:clrMapOvr>
   </p:cSld>
+  <p:clrMapOvr>
+    <a:masterClrMapping/>
+  </p:clrMapOvr>
 </p:notes>
 </file>
 
 <file path=ppt/notesSlides/notesSlide2.xml><?xml version="1.0" encoding="utf-8"?>
-<p:notes xmlns:p="http://schemas.openxmlformats.org/presentationml/2006/main">
+<p:notes xmlns:a="http://schemas.openxmlformats.org/drawingml/2006/main" xmlns:r="http://schemas.openxmlformats.org/officeDocument/2006/relationships" xmlns:p="http://schemas.openxmlformats.org/presentationml/2006/main">
   <p:cSld>
     <p:spTree>
       <p:nvGrpSpPr>
@@ -201,12 +559,19 @@
         <p:cNvGrpSpPr/>
         <p:nvPr/>
       </p:nvGrpSpPr>
-      <p:grpSpPr/>
+      <p:grpSpPr>
+        <a:xfrm>
+          <a:off x="0" y="0"/>
+          <a:ext cx="0" cy="0"/>
+          <a:chOff x="0" y="0"/>
+          <a:chExt cx="0" cy="0"/>
+        </a:xfrm>
+      </p:grpSpPr>
       <p:sp>
         <p:nvSpPr>
           <p:cNvPr id="2" name="Slide Text"/>
           <p:cNvSpPr>
-            <a:spLocks xmlns:a="http://schemas.openxmlformats.org/drawingml/2006/main" noGrp="1"/>
+            <a:spLocks noGrp="1"/>
           </p:cNvSpPr>
           <p:nvPr>
             <p:ph type="body" idx="1"/>
@@ -214,83 +579,71 @@
         </p:nvSpPr>
         <p:spPr/>
         <p:txBody>
-          <a:bodyPr xmlns:a="http://schemas.openxmlformats.org/drawingml/2006/main"/>
-          <a:lstStyle xmlns:a="http://schemas.openxmlformats.org/drawingml/2006/main"/>
-          <a:p xmlns:a="http://schemas.openxmlformats.org/drawingml/2006/main">
+          <a:bodyPr/>
+          <a:lstStyle/>
+          <a:p>
             <a:r>
               <a:rPr b="1" dirty="0"/>
               <a:t>textbox</a:t>
             </a:r>
             <a:endParaRPr dirty="0"/>
           </a:p>
-          <a:p xmlns:a="http://schemas.openxmlformats.org/drawingml/2006/main">
+          <a:p>
             <a:r>
               <a:rPr b="0" dirty="0"/>
               <a:t>No alt text provided</a:t>
             </a:r>
             <a:endParaRPr dirty="0"/>
           </a:p>
-          <a:p xmlns:a="http://schemas.openxmlformats.org/drawingml/2006/main">
-            <a:r>
-              <a:rPr b="0" dirty="0"/>
-              <a:t/>
-            </a:r>
+          <a:p>
             <a:endParaRPr dirty="0"/>
           </a:p>
-          <a:p xmlns:a="http://schemas.openxmlformats.org/drawingml/2006/main">
+          <a:p>
             <a:r>
               <a:rPr b="1" dirty="0"/>
               <a:t>donutChart</a:t>
             </a:r>
             <a:endParaRPr dirty="0"/>
           </a:p>
-          <a:p xmlns:a="http://schemas.openxmlformats.org/drawingml/2006/main">
+          <a:p>
             <a:r>
               <a:rPr b="0" dirty="0"/>
               <a:t>No alt text provided</a:t>
             </a:r>
             <a:endParaRPr dirty="0"/>
           </a:p>
-          <a:p xmlns:a="http://schemas.openxmlformats.org/drawingml/2006/main">
-            <a:r>
-              <a:rPr b="0" dirty="0"/>
-              <a:t/>
-            </a:r>
+          <a:p>
             <a:endParaRPr dirty="0"/>
           </a:p>
-          <a:p xmlns:a="http://schemas.openxmlformats.org/drawingml/2006/main">
+          <a:p>
             <a:r>
               <a:rPr b="1" dirty="0"/>
               <a:t>donutChart</a:t>
             </a:r>
             <a:endParaRPr dirty="0"/>
           </a:p>
-          <a:p xmlns:a="http://schemas.openxmlformats.org/drawingml/2006/main">
+          <a:p>
             <a:r>
               <a:rPr b="0" dirty="0"/>
               <a:t>No alt text provided</a:t>
             </a:r>
             <a:endParaRPr dirty="0"/>
           </a:p>
-          <a:p xmlns:a="http://schemas.openxmlformats.org/drawingml/2006/main">
-            <a:r>
-              <a:rPr b="0" dirty="0"/>
-              <a:t/>
-            </a:r>
+          <a:p>
             <a:endParaRPr dirty="0"/>
           </a:p>
         </p:txBody>
       </p:sp>
     </p:spTree>
-    <p:clrMapOvr>
-      <a:masterClrMapping xmlns:a="http://schemas.openxmlformats.org/drawingml/2006/main"/>
-    </p:clrMapOvr>
   </p:cSld>
+  <p:clrMapOvr>
+    <a:masterClrMapping/>
+  </p:clrMapOvr>
 </p:notes>
 </file>
 
 <file path=ppt/notesSlides/notesSlide3.xml><?xml version="1.0" encoding="utf-8"?>
-<p:notes xmlns:p="http://schemas.openxmlformats.org/presentationml/2006/main">
+<p:notes xmlns:a="http://schemas.openxmlformats.org/drawingml/2006/main" xmlns:r="http://schemas.openxmlformats.org/officeDocument/2006/relationships" xmlns:p="http://schemas.openxmlformats.org/presentationml/2006/main">
   <p:cSld>
     <p:spTree>
       <p:nvGrpSpPr>
@@ -298,12 +651,19 @@
         <p:cNvGrpSpPr/>
         <p:nvPr/>
       </p:nvGrpSpPr>
-      <p:grpSpPr/>
+      <p:grpSpPr>
+        <a:xfrm>
+          <a:off x="0" y="0"/>
+          <a:ext cx="0" cy="0"/>
+          <a:chOff x="0" y="0"/>
+          <a:chExt cx="0" cy="0"/>
+        </a:xfrm>
+      </p:grpSpPr>
       <p:sp>
         <p:nvSpPr>
           <p:cNvPr id="2" name="Slide Text"/>
           <p:cNvSpPr>
-            <a:spLocks xmlns:a="http://schemas.openxmlformats.org/drawingml/2006/main" noGrp="1"/>
+            <a:spLocks noGrp="1"/>
           </p:cNvSpPr>
           <p:nvPr>
             <p:ph type="body" idx="1"/>
@@ -311,83 +671,71 @@
         </p:nvSpPr>
         <p:spPr/>
         <p:txBody>
-          <a:bodyPr xmlns:a="http://schemas.openxmlformats.org/drawingml/2006/main"/>
-          <a:lstStyle xmlns:a="http://schemas.openxmlformats.org/drawingml/2006/main"/>
-          <a:p xmlns:a="http://schemas.openxmlformats.org/drawingml/2006/main">
+          <a:bodyPr/>
+          <a:lstStyle/>
+          <a:p>
             <a:r>
               <a:rPr b="1" dirty="0"/>
               <a:t>textbox</a:t>
             </a:r>
             <a:endParaRPr dirty="0"/>
           </a:p>
-          <a:p xmlns:a="http://schemas.openxmlformats.org/drawingml/2006/main">
+          <a:p>
             <a:r>
               <a:rPr b="0" dirty="0"/>
               <a:t>No alt text provided</a:t>
             </a:r>
             <a:endParaRPr dirty="0"/>
           </a:p>
-          <a:p xmlns:a="http://schemas.openxmlformats.org/drawingml/2006/main">
-            <a:r>
-              <a:rPr b="0" dirty="0"/>
-              <a:t/>
-            </a:r>
+          <a:p>
             <a:endParaRPr dirty="0"/>
           </a:p>
-          <a:p xmlns:a="http://schemas.openxmlformats.org/drawingml/2006/main">
+          <a:p>
             <a:r>
               <a:rPr b="1" dirty="0"/>
               <a:t>donutChart</a:t>
             </a:r>
             <a:endParaRPr dirty="0"/>
           </a:p>
-          <a:p xmlns:a="http://schemas.openxmlformats.org/drawingml/2006/main">
+          <a:p>
             <a:r>
               <a:rPr b="0" dirty="0"/>
               <a:t>No alt text provided</a:t>
             </a:r>
             <a:endParaRPr dirty="0"/>
           </a:p>
-          <a:p xmlns:a="http://schemas.openxmlformats.org/drawingml/2006/main">
-            <a:r>
-              <a:rPr b="0" dirty="0"/>
-              <a:t/>
-            </a:r>
+          <a:p>
             <a:endParaRPr dirty="0"/>
           </a:p>
-          <a:p xmlns:a="http://schemas.openxmlformats.org/drawingml/2006/main">
+          <a:p>
             <a:r>
               <a:rPr b="1" dirty="0"/>
               <a:t>donutChart</a:t>
             </a:r>
             <a:endParaRPr dirty="0"/>
           </a:p>
-          <a:p xmlns:a="http://schemas.openxmlformats.org/drawingml/2006/main">
+          <a:p>
             <a:r>
               <a:rPr b="0" dirty="0"/>
               <a:t>No alt text provided</a:t>
             </a:r>
             <a:endParaRPr dirty="0"/>
           </a:p>
-          <a:p xmlns:a="http://schemas.openxmlformats.org/drawingml/2006/main">
-            <a:r>
-              <a:rPr b="0" dirty="0"/>
-              <a:t/>
-            </a:r>
+          <a:p>
             <a:endParaRPr dirty="0"/>
           </a:p>
         </p:txBody>
       </p:sp>
     </p:spTree>
-    <p:clrMapOvr>
-      <a:masterClrMapping xmlns:a="http://schemas.openxmlformats.org/drawingml/2006/main"/>
-    </p:clrMapOvr>
   </p:cSld>
+  <p:clrMapOvr>
+    <a:masterClrMapping/>
+  </p:clrMapOvr>
 </p:notes>
 </file>
 
 <file path=ppt/notesSlides/notesSlide4.xml><?xml version="1.0" encoding="utf-8"?>
-<p:notes xmlns:p="http://schemas.openxmlformats.org/presentationml/2006/main">
+<p:notes xmlns:a="http://schemas.openxmlformats.org/drawingml/2006/main" xmlns:r="http://schemas.openxmlformats.org/officeDocument/2006/relationships" xmlns:p="http://schemas.openxmlformats.org/presentationml/2006/main">
   <p:cSld>
     <p:spTree>
       <p:nvGrpSpPr>
@@ -395,12 +743,19 @@
         <p:cNvGrpSpPr/>
         <p:nvPr/>
       </p:nvGrpSpPr>
-      <p:grpSpPr/>
+      <p:grpSpPr>
+        <a:xfrm>
+          <a:off x="0" y="0"/>
+          <a:ext cx="0" cy="0"/>
+          <a:chOff x="0" y="0"/>
+          <a:chExt cx="0" cy="0"/>
+        </a:xfrm>
+      </p:grpSpPr>
       <p:sp>
         <p:nvSpPr>
           <p:cNvPr id="2" name="Slide Text"/>
           <p:cNvSpPr>
-            <a:spLocks xmlns:a="http://schemas.openxmlformats.org/drawingml/2006/main" noGrp="1"/>
+            <a:spLocks noGrp="1"/>
           </p:cNvSpPr>
           <p:nvPr>
             <p:ph type="body" idx="1"/>
@@ -408,78 +763,66 @@
         </p:nvSpPr>
         <p:spPr/>
         <p:txBody>
-          <a:bodyPr xmlns:a="http://schemas.openxmlformats.org/drawingml/2006/main"/>
-          <a:lstStyle xmlns:a="http://schemas.openxmlformats.org/drawingml/2006/main"/>
-          <a:p xmlns:a="http://schemas.openxmlformats.org/drawingml/2006/main">
+          <a:bodyPr/>
+          <a:lstStyle/>
+          <a:p>
             <a:r>
               <a:rPr b="1" dirty="0"/>
               <a:t>textbox</a:t>
             </a:r>
             <a:endParaRPr dirty="0"/>
           </a:p>
-          <a:p xmlns:a="http://schemas.openxmlformats.org/drawingml/2006/main">
+          <a:p>
             <a:r>
               <a:rPr b="0" dirty="0"/>
               <a:t>No alt text provided</a:t>
             </a:r>
             <a:endParaRPr dirty="0"/>
           </a:p>
-          <a:p xmlns:a="http://schemas.openxmlformats.org/drawingml/2006/main">
-            <a:r>
-              <a:rPr b="0" dirty="0"/>
-              <a:t/>
-            </a:r>
+          <a:p>
             <a:endParaRPr dirty="0"/>
           </a:p>
-          <a:p xmlns:a="http://schemas.openxmlformats.org/drawingml/2006/main">
+          <a:p>
             <a:r>
               <a:rPr b="1" dirty="0"/>
               <a:t>clusteredBarChart</a:t>
             </a:r>
             <a:endParaRPr dirty="0"/>
           </a:p>
-          <a:p xmlns:a="http://schemas.openxmlformats.org/drawingml/2006/main">
+          <a:p>
             <a:r>
               <a:rPr b="0" dirty="0"/>
               <a:t>No alt text provided</a:t>
             </a:r>
             <a:endParaRPr dirty="0"/>
           </a:p>
-          <a:p xmlns:a="http://schemas.openxmlformats.org/drawingml/2006/main">
-            <a:r>
-              <a:rPr b="0" dirty="0"/>
-              <a:t/>
-            </a:r>
+          <a:p>
             <a:endParaRPr dirty="0"/>
           </a:p>
-          <a:p xmlns:a="http://schemas.openxmlformats.org/drawingml/2006/main">
+          <a:p>
             <a:r>
               <a:rPr b="1" dirty="0"/>
               <a:t>clusteredBarChart</a:t>
             </a:r>
             <a:endParaRPr dirty="0"/>
           </a:p>
-          <a:p xmlns:a="http://schemas.openxmlformats.org/drawingml/2006/main">
+          <a:p>
             <a:r>
               <a:rPr b="0" dirty="0"/>
               <a:t>No alt text provided</a:t>
             </a:r>
             <a:endParaRPr dirty="0"/>
           </a:p>
-          <a:p xmlns:a="http://schemas.openxmlformats.org/drawingml/2006/main">
-            <a:r>
-              <a:rPr b="0" dirty="0"/>
-              <a:t/>
-            </a:r>
+          <a:p>
             <a:endParaRPr dirty="0"/>
           </a:p>
         </p:txBody>
       </p:sp>
     </p:spTree>
-    <p:clrMapOvr>
-      <a:masterClrMapping xmlns:a="http://schemas.openxmlformats.org/drawingml/2006/main"/>
-    </p:clrMapOvr>
   </p:cSld>
+  <p:clrMapOvr>
+    <a:masterClrMapping/>
+  </p:clrMapOvr>
 </p:notes>
 </file>
 
@@ -612,7 +955,7 @@
           <a:p>
             <a:fld id="{627ED9C8-F09A-4D9E-BEC0-4725162E21FF}" type="datetimeFigureOut">
               <a:rPr lang="en-US" smtClean="0"/>
-              <a:t>11/25/2020</a:t>
+              <a:t>12/30/21</a:t>
             </a:fld>
             <a:endParaRPr lang="en-US"/>
           </a:p>
@@ -780,7 +1123,7 @@
           <a:p>
             <a:fld id="{627ED9C8-F09A-4D9E-BEC0-4725162E21FF}" type="datetimeFigureOut">
               <a:rPr lang="en-US" smtClean="0"/>
-              <a:t>11/25/2020</a:t>
+              <a:t>12/30/21</a:t>
             </a:fld>
             <a:endParaRPr lang="en-US"/>
           </a:p>
@@ -958,7 +1301,7 @@
           <a:p>
             <a:fld id="{627ED9C8-F09A-4D9E-BEC0-4725162E21FF}" type="datetimeFigureOut">
               <a:rPr lang="en-US" smtClean="0"/>
-              <a:t>11/25/2020</a:t>
+              <a:t>12/30/21</a:t>
             </a:fld>
             <a:endParaRPr lang="en-US"/>
           </a:p>
@@ -1126,7 +1469,7 @@
           <a:p>
             <a:fld id="{627ED9C8-F09A-4D9E-BEC0-4725162E21FF}" type="datetimeFigureOut">
               <a:rPr lang="en-US" smtClean="0"/>
-              <a:t>11/25/2020</a:t>
+              <a:t>12/30/21</a:t>
             </a:fld>
             <a:endParaRPr lang="en-US"/>
           </a:p>
@@ -1371,7 +1714,7 @@
           <a:p>
             <a:fld id="{627ED9C8-F09A-4D9E-BEC0-4725162E21FF}" type="datetimeFigureOut">
               <a:rPr lang="en-US" smtClean="0"/>
-              <a:t>11/25/2020</a:t>
+              <a:t>12/30/21</a:t>
             </a:fld>
             <a:endParaRPr lang="en-US"/>
           </a:p>
@@ -1600,7 +1943,7 @@
           <a:p>
             <a:fld id="{627ED9C8-F09A-4D9E-BEC0-4725162E21FF}" type="datetimeFigureOut">
               <a:rPr lang="en-US" smtClean="0"/>
-              <a:t>11/25/2020</a:t>
+              <a:t>12/30/21</a:t>
             </a:fld>
             <a:endParaRPr lang="en-US"/>
           </a:p>
@@ -1964,7 +2307,7 @@
           <a:p>
             <a:fld id="{627ED9C8-F09A-4D9E-BEC0-4725162E21FF}" type="datetimeFigureOut">
               <a:rPr lang="en-US" smtClean="0"/>
-              <a:t>11/25/2020</a:t>
+              <a:t>12/30/21</a:t>
             </a:fld>
             <a:endParaRPr lang="en-US"/>
           </a:p>
@@ -2081,7 +2424,7 @@
           <a:p>
             <a:fld id="{627ED9C8-F09A-4D9E-BEC0-4725162E21FF}" type="datetimeFigureOut">
               <a:rPr lang="en-US" smtClean="0"/>
-              <a:t>11/25/2020</a:t>
+              <a:t>12/30/21</a:t>
             </a:fld>
             <a:endParaRPr lang="en-US"/>
           </a:p>
@@ -2176,7 +2519,7 @@
           <a:p>
             <a:fld id="{627ED9C8-F09A-4D9E-BEC0-4725162E21FF}" type="datetimeFigureOut">
               <a:rPr lang="en-US" smtClean="0"/>
-              <a:t>11/25/2020</a:t>
+              <a:t>12/30/21</a:t>
             </a:fld>
             <a:endParaRPr lang="en-US"/>
           </a:p>
@@ -2451,7 +2794,7 @@
           <a:p>
             <a:fld id="{627ED9C8-F09A-4D9E-BEC0-4725162E21FF}" type="datetimeFigureOut">
               <a:rPr lang="en-US" smtClean="0"/>
-              <a:t>11/25/2020</a:t>
+              <a:t>12/30/21</a:t>
             </a:fld>
             <a:endParaRPr lang="en-US"/>
           </a:p>
@@ -2703,7 +3046,7 @@
           <a:p>
             <a:fld id="{627ED9C8-F09A-4D9E-BEC0-4725162E21FF}" type="datetimeFigureOut">
               <a:rPr lang="en-US" smtClean="0"/>
-              <a:t>11/25/2020</a:t>
+              <a:t>12/30/21</a:t>
             </a:fld>
             <a:endParaRPr lang="en-US"/>
           </a:p>
@@ -2765,7 +3108,7 @@
 </file>
 
 <file path=ppt/slideMasters/slideMaster1.xml><?xml version="1.0" encoding="utf-8"?>
-<p:sldMaster xmlns:p14="http://schemas.microsoft.com/office/powerpoint/2010/main" xmlns:a="http://schemas.openxmlformats.org/drawingml/2006/main" xmlns:r="http://schemas.openxmlformats.org/officeDocument/2006/relationships" xmlns:p="http://schemas.openxmlformats.org/presentationml/2006/main" preserve="1">
+<p:sldMaster xmlns:a="http://schemas.openxmlformats.org/drawingml/2006/main" xmlns:r="http://schemas.openxmlformats.org/officeDocument/2006/relationships" xmlns:p="http://schemas.openxmlformats.org/presentationml/2006/main" preserve="1">
   <p:cSld>
     <p:bg>
       <p:bgRef idx="1001">
@@ -2914,7 +3257,7 @@
           <a:p>
             <a:fld id="{627ED9C8-F09A-4D9E-BEC0-4725162E21FF}" type="datetimeFigureOut">
               <a:rPr lang="en-US" smtClean="0"/>
-              <a:t>11/25/2020</a:t>
+              <a:t>12/30/21</a:t>
             </a:fld>
             <a:endParaRPr lang="en-US"/>
           </a:p>
@@ -3303,7 +3646,7 @@
 </file>
 
 <file path=ppt/slides/slide1.xml><?xml version="1.0" encoding="utf-8"?>
-<p:sld xmlns:adec="http://schemas.microsoft.com/office/drawing/2017/decorative" xmlns:a14="http://schemas.microsoft.com/office/drawing/2010/main" xmlns:p14="http://schemas.microsoft.com/office/powerpoint/2010/main" xmlns:a="http://schemas.openxmlformats.org/drawingml/2006/main" xmlns:r="http://schemas.openxmlformats.org/officeDocument/2006/relationships" xmlns:p="http://schemas.openxmlformats.org/presentationml/2006/main">
+<p:sld xmlns:a="http://schemas.openxmlformats.org/drawingml/2006/main" xmlns:r="http://schemas.openxmlformats.org/officeDocument/2006/relationships" xmlns:p="http://schemas.openxmlformats.org/presentationml/2006/main">
   <p:cSld>
     <p:bg>
       <p:bgPr>
@@ -3674,7 +4017,7 @@
                 <a:solidFill>
                   <a:schemeClr val="bg1"/>
                 </a:solidFill>
-                <a:hlinkClick r:id="coverSlideHpLink"/>
+                <a:hlinkClick r:id="rId3"/>
               </a:rPr>
               <a:t>View in Power BI</a:t>
             </a:r>
@@ -3879,8 +4222,8 @@
 </p:sld>
 </file>
 
-<file path=ppt/slides/slide2.xml><?xml version="1.0" encoding="utf-8"?>
-<p:sld xmlns:p="http://schemas.openxmlformats.org/presentationml/2006/main">
+<file path=ppt/slides/slide10.xml><?xml version="1.0" encoding="utf-8"?>
+<p:sld xmlns:a="http://schemas.openxmlformats.org/drawingml/2006/main" xmlns:r="http://schemas.openxmlformats.org/officeDocument/2006/relationships" xmlns:p="http://schemas.openxmlformats.org/presentationml/2006/main">
   <p:cSld>
     <p:spTree>
       <p:nvGrpSpPr>
@@ -3888,39 +4231,46 @@
         <p:cNvGrpSpPr/>
         <p:nvPr/>
       </p:nvGrpSpPr>
-      <p:grpSpPr/>
+      <p:grpSpPr>
+        <a:xfrm>
+          <a:off x="0" y="0"/>
+          <a:ext cx="0" cy="0"/>
+          <a:chOff x="0" y="0"/>
+          <a:chExt cx="0" cy="0"/>
+        </a:xfrm>
+      </p:grpSpPr>
       <p:pic>
         <p:nvPicPr>
-          <p:cNvPr id="3" name="Picture" title="This slide contains the following visuals: scatterChart ,textbox. Please refer to the notes on this slide for details">
-            <a:hlinkClick xmlns:r="http://schemas.openxmlformats.org/officeDocument/2006/relationships" xmlns:a="http://schemas.openxmlformats.org/drawingml/2006/main" r:id="RelId0"/>
+          <p:cNvPr id="3" name="Picture" title="This slide contains the following visuals: textbox ,clusteredBarChart ,clusteredBarChart. Please refer to the notes on this slide for details">
+            <a:hlinkClick r:id="rId3"/>
           </p:cNvPr>
           <p:cNvPicPr>
-            <a:picLocks xmlns:a="http://schemas.openxmlformats.org/drawingml/2006/main" noChangeAspect="1"/>
+            <a:picLocks noChangeAspect="1"/>
           </p:cNvPicPr>
           <p:nvPr/>
         </p:nvPicPr>
         <p:blipFill>
-          <a:blip xmlns:r="http://schemas.openxmlformats.org/officeDocument/2006/relationships" xmlns:a="http://schemas.openxmlformats.org/drawingml/2006/main" r:embed="imgId10900132"/>
-          <a:stretch xmlns:a="http://schemas.openxmlformats.org/drawingml/2006/main">
+          <a:blip r:embed="rId4"/>
+          <a:stretch>
             <a:fillRect/>
           </a:stretch>
         </p:blipFill>
         <p:spPr>
-          <a:xfrm xmlns:a="http://schemas.openxmlformats.org/drawingml/2006/main">
+          <a:xfrm>
             <a:off x="76200" y="0"/>
             <a:ext cx="12020550" cy="6858000"/>
           </a:xfrm>
-          <a:prstGeom xmlns:a="http://schemas.openxmlformats.org/drawingml/2006/main" prst="rect">
+          <a:prstGeom prst="rect">
             <a:avLst/>
           </a:prstGeom>
-          <a:noFill xmlns:a="http://schemas.openxmlformats.org/drawingml/2006/main"/>
+          <a:noFill/>
         </p:spPr>
       </p:pic>
       <p:sp>
         <p:nvSpPr>
           <p:cNvPr id="4" name="Title" hidden="1"/>
           <p:cNvSpPr>
-            <a:spLocks xmlns:a="http://schemas.openxmlformats.org/drawingml/2006/main" noGrp="1"/>
+            <a:spLocks noGrp="1"/>
           </p:cNvSpPr>
           <p:nvPr>
             <p:ph type="title"/>
@@ -3928,25 +4278,25 @@
         </p:nvSpPr>
         <p:spPr/>
         <p:txBody>
-          <a:bodyPr xmlns:a="http://schemas.openxmlformats.org/drawingml/2006/main"/>
-          <a:lstStyle xmlns:a="http://schemas.openxmlformats.org/drawingml/2006/main"/>
-          <a:p xmlns:a="http://schemas.openxmlformats.org/drawingml/2006/main">
-            <a:r>
-              <a:t>Sebaran</a:t>
+          <a:bodyPr/>
+          <a:lstStyle/>
+          <a:p>
+            <a:r>
+              <a:t>Top 10</a:t>
             </a:r>
           </a:p>
         </p:txBody>
       </p:sp>
     </p:spTree>
-    <p:clrMapOvr>
-      <a:masterClrMapping xmlns:a="http://schemas.openxmlformats.org/drawingml/2006/main"/>
-    </p:clrMapOvr>
   </p:cSld>
+  <p:clrMapOvr>
+    <a:masterClrMapping/>
+  </p:clrMapOvr>
 </p:sld>
 </file>
 
-<file path=ppt/slides/slide3.xml><?xml version="1.0" encoding="utf-8"?>
-<p:sld xmlns:p="http://schemas.openxmlformats.org/presentationml/2006/main">
+<file path=ppt/slides/slide11.xml><?xml version="1.0" encoding="utf-8"?>
+<p:sld xmlns:a="http://schemas.openxmlformats.org/drawingml/2006/main" xmlns:r="http://schemas.openxmlformats.org/officeDocument/2006/relationships" xmlns:p="http://schemas.openxmlformats.org/presentationml/2006/main">
   <p:cSld>
     <p:spTree>
       <p:nvGrpSpPr>
@@ -3954,39 +4304,25 @@
         <p:cNvGrpSpPr/>
         <p:nvPr/>
       </p:nvGrpSpPr>
-      <p:grpSpPr/>
-      <p:pic>
-        <p:nvPicPr>
-          <p:cNvPr id="3" name="Picture" title="This slide contains the following visuals: textbox ,donutChart ,donutChart. Please refer to the notes on this slide for details">
-            <a:hlinkClick xmlns:r="http://schemas.openxmlformats.org/officeDocument/2006/relationships" xmlns:a="http://schemas.openxmlformats.org/drawingml/2006/main" r:id="RelId1"/>
+      <p:grpSpPr>
+        <a:xfrm>
+          <a:off x="0" y="0"/>
+          <a:ext cx="0" cy="0"/>
+          <a:chOff x="0" y="0"/>
+          <a:chExt cx="0" cy="0"/>
+        </a:xfrm>
+      </p:grpSpPr>
+      <p:sp>
+        <p:nvSpPr>
+          <p:cNvPr id="2" name="Title 1">
+            <a:extLst>
+              <a:ext uri="{FF2B5EF4-FFF2-40B4-BE49-F238E27FC236}">
+                <a16:creationId xmlns:a16="http://schemas.microsoft.com/office/drawing/2014/main" id="{54773521-C12A-4C42-9CC7-5C371E0B8162}"/>
+              </a:ext>
+            </a:extLst>
           </p:cNvPr>
-          <p:cNvPicPr>
-            <a:picLocks xmlns:a="http://schemas.openxmlformats.org/drawingml/2006/main" noChangeAspect="1"/>
-          </p:cNvPicPr>
-          <p:nvPr/>
-        </p:nvPicPr>
-        <p:blipFill>
-          <a:blip xmlns:r="http://schemas.openxmlformats.org/officeDocument/2006/relationships" xmlns:a="http://schemas.openxmlformats.org/drawingml/2006/main" r:embed="imgId10900641"/>
-          <a:stretch xmlns:a="http://schemas.openxmlformats.org/drawingml/2006/main">
-            <a:fillRect/>
-          </a:stretch>
-        </p:blipFill>
-        <p:spPr>
-          <a:xfrm xmlns:a="http://schemas.openxmlformats.org/drawingml/2006/main">
-            <a:off x="76200" y="0"/>
-            <a:ext cx="12020550" cy="6858000"/>
-          </a:xfrm>
-          <a:prstGeom xmlns:a="http://schemas.openxmlformats.org/drawingml/2006/main" prst="rect">
-            <a:avLst/>
-          </a:prstGeom>
-          <a:noFill xmlns:a="http://schemas.openxmlformats.org/drawingml/2006/main"/>
-        </p:spPr>
-      </p:pic>
-      <p:sp>
-        <p:nvSpPr>
-          <p:cNvPr id="4" name="Title" hidden="1"/>
-          <p:cNvSpPr>
-            <a:spLocks xmlns:a="http://schemas.openxmlformats.org/drawingml/2006/main" noGrp="1"/>
+          <p:cNvSpPr>
+            <a:spLocks noGrp="1"/>
           </p:cNvSpPr>
           <p:nvPr>
             <p:ph type="title"/>
@@ -3994,25 +4330,60 @@
         </p:nvSpPr>
         <p:spPr/>
         <p:txBody>
-          <a:bodyPr xmlns:a="http://schemas.openxmlformats.org/drawingml/2006/main"/>
-          <a:lstStyle xmlns:a="http://schemas.openxmlformats.org/drawingml/2006/main"/>
-          <a:p xmlns:a="http://schemas.openxmlformats.org/drawingml/2006/main">
-            <a:r>
-              <a:t>Rata-rata</a:t>
-            </a:r>
+          <a:bodyPr/>
+          <a:lstStyle/>
+          <a:p>
+            <a:r>
+              <a:rPr lang="en-US" dirty="0"/>
+              <a:t>Insights</a:t>
+            </a:r>
+          </a:p>
+        </p:txBody>
+      </p:sp>
+      <p:sp>
+        <p:nvSpPr>
+          <p:cNvPr id="3" name="Content Placeholder 2">
+            <a:extLst>
+              <a:ext uri="{FF2B5EF4-FFF2-40B4-BE49-F238E27FC236}">
+                <a16:creationId xmlns:a16="http://schemas.microsoft.com/office/drawing/2014/main" id="{9B4D4C44-20B3-C24D-997D-6564D39841EA}"/>
+              </a:ext>
+            </a:extLst>
+          </p:cNvPr>
+          <p:cNvSpPr>
+            <a:spLocks noGrp="1"/>
+          </p:cNvSpPr>
+          <p:nvPr>
+            <p:ph idx="1"/>
+          </p:nvPr>
+        </p:nvSpPr>
+        <p:spPr/>
+        <p:txBody>
+          <a:bodyPr/>
+          <a:lstStyle/>
+          <a:p>
+            <a:r>
+              <a:rPr lang="en-US"/>
+              <a:t>Although there are also countries in the top 10 in the happy country category, not all countries in the top 10 GDP are in the top 10 happy countries.</a:t>
+            </a:r>
+            <a:endParaRPr lang="en-US" dirty="0"/>
           </a:p>
         </p:txBody>
       </p:sp>
     </p:spTree>
-    <p:clrMapOvr>
-      <a:masterClrMapping xmlns:a="http://schemas.openxmlformats.org/drawingml/2006/main"/>
-    </p:clrMapOvr>
+    <p:extLst>
+      <p:ext uri="{BB962C8B-B14F-4D97-AF65-F5344CB8AC3E}">
+        <p14:creationId xmlns:p14="http://schemas.microsoft.com/office/powerpoint/2010/main" val="3548915452"/>
+      </p:ext>
+    </p:extLst>
   </p:cSld>
+  <p:clrMapOvr>
+    <a:masterClrMapping/>
+  </p:clrMapOvr>
 </p:sld>
 </file>
 
-<file path=ppt/slides/slide4.xml><?xml version="1.0" encoding="utf-8"?>
-<p:sld xmlns:p="http://schemas.openxmlformats.org/presentationml/2006/main">
+<file path=ppt/slides/slide2.xml><?xml version="1.0" encoding="utf-8"?>
+<p:sld xmlns:a="http://schemas.openxmlformats.org/drawingml/2006/main" xmlns:r="http://schemas.openxmlformats.org/officeDocument/2006/relationships" xmlns:p="http://schemas.openxmlformats.org/presentationml/2006/main">
   <p:cSld>
     <p:spTree>
       <p:nvGrpSpPr>
@@ -4020,39 +4391,25 @@
         <p:cNvGrpSpPr/>
         <p:nvPr/>
       </p:nvGrpSpPr>
-      <p:grpSpPr/>
-      <p:pic>
-        <p:nvPicPr>
-          <p:cNvPr id="3" name="Picture" title="This slide contains the following visuals: textbox ,donutChart ,donutChart. Please refer to the notes on this slide for details">
-            <a:hlinkClick xmlns:r="http://schemas.openxmlformats.org/officeDocument/2006/relationships" xmlns:a="http://schemas.openxmlformats.org/drawingml/2006/main" r:id="RelId2"/>
+      <p:grpSpPr>
+        <a:xfrm>
+          <a:off x="0" y="0"/>
+          <a:ext cx="0" cy="0"/>
+          <a:chOff x="0" y="0"/>
+          <a:chExt cx="0" cy="0"/>
+        </a:xfrm>
+      </p:grpSpPr>
+      <p:sp>
+        <p:nvSpPr>
+          <p:cNvPr id="2" name="Title 1">
+            <a:extLst>
+              <a:ext uri="{FF2B5EF4-FFF2-40B4-BE49-F238E27FC236}">
+                <a16:creationId xmlns:a16="http://schemas.microsoft.com/office/drawing/2014/main" id="{35F492BA-A353-0647-8DFF-46E86A7C2B1D}"/>
+              </a:ext>
+            </a:extLst>
           </p:cNvPr>
-          <p:cNvPicPr>
-            <a:picLocks xmlns:a="http://schemas.openxmlformats.org/drawingml/2006/main" noChangeAspect="1"/>
-          </p:cNvPicPr>
-          <p:nvPr/>
-        </p:nvPicPr>
-        <p:blipFill>
-          <a:blip xmlns:r="http://schemas.openxmlformats.org/officeDocument/2006/relationships" xmlns:a="http://schemas.openxmlformats.org/drawingml/2006/main" r:embed="imgId10900640"/>
-          <a:stretch xmlns:a="http://schemas.openxmlformats.org/drawingml/2006/main">
-            <a:fillRect/>
-          </a:stretch>
-        </p:blipFill>
-        <p:spPr>
-          <a:xfrm xmlns:a="http://schemas.openxmlformats.org/drawingml/2006/main">
-            <a:off x="76200" y="0"/>
-            <a:ext cx="12020550" cy="6858000"/>
-          </a:xfrm>
-          <a:prstGeom xmlns:a="http://schemas.openxmlformats.org/drawingml/2006/main" prst="rect">
-            <a:avLst/>
-          </a:prstGeom>
-          <a:noFill xmlns:a="http://schemas.openxmlformats.org/drawingml/2006/main"/>
-        </p:spPr>
-      </p:pic>
-      <p:sp>
-        <p:nvSpPr>
-          <p:cNvPr id="4" name="Title" hidden="1"/>
-          <p:cNvSpPr>
-            <a:spLocks xmlns:a="http://schemas.openxmlformats.org/drawingml/2006/main" noGrp="1"/>
+          <p:cNvSpPr>
+            <a:spLocks noGrp="1"/>
           </p:cNvSpPr>
           <p:nvPr>
             <p:ph type="title"/>
@@ -4060,25 +4417,81 @@
         </p:nvSpPr>
         <p:spPr/>
         <p:txBody>
-          <a:bodyPr xmlns:a="http://schemas.openxmlformats.org/drawingml/2006/main"/>
-          <a:lstStyle xmlns:a="http://schemas.openxmlformats.org/drawingml/2006/main"/>
-          <a:p xmlns:a="http://schemas.openxmlformats.org/drawingml/2006/main">
-            <a:r>
-              <a:t>Total</a:t>
-            </a:r>
+          <a:bodyPr/>
+          <a:lstStyle/>
+          <a:p>
+            <a:r>
+              <a:rPr lang="en-US" dirty="0"/>
+              <a:t>Dataset Used</a:t>
+            </a:r>
+          </a:p>
+        </p:txBody>
+      </p:sp>
+      <p:sp>
+        <p:nvSpPr>
+          <p:cNvPr id="3" name="Content Placeholder 2">
+            <a:extLst>
+              <a:ext uri="{FF2B5EF4-FFF2-40B4-BE49-F238E27FC236}">
+                <a16:creationId xmlns:a16="http://schemas.microsoft.com/office/drawing/2014/main" id="{67399CBF-E3FA-8D4C-9C43-9A5BCBDF9425}"/>
+              </a:ext>
+            </a:extLst>
+          </p:cNvPr>
+          <p:cNvSpPr>
+            <a:spLocks noGrp="1"/>
+          </p:cNvSpPr>
+          <p:nvPr>
+            <p:ph idx="1"/>
+          </p:nvPr>
+        </p:nvSpPr>
+        <p:spPr/>
+        <p:txBody>
+          <a:bodyPr/>
+          <a:lstStyle/>
+          <a:p>
+            <a:r>
+              <a:rPr lang="en-US" dirty="0"/>
+              <a:t>Title: Income and Happiness Correction</a:t>
+            </a:r>
+          </a:p>
+          <a:p>
+            <a:r>
+              <a:rPr lang="en-US" dirty="0"/>
+              <a:t>By Levy Edgar44</a:t>
+            </a:r>
+          </a:p>
+          <a:p>
+            <a:r>
+              <a:rPr lang="en-ID" dirty="0">
+                <a:hlinkClick r:id="rId2"/>
+              </a:rPr>
+              <a:t>Income and Happiness Correction | Kaggle</a:t>
+            </a:r>
+            <a:endParaRPr lang="en-ID" dirty="0"/>
+          </a:p>
+          <a:p>
+            <a:r>
+              <a:rPr lang="en-ID" dirty="0"/>
+              <a:t>This dataset reflects the relationship between income and happiness of 111 countries</a:t>
+            </a:r>
+            <a:endParaRPr lang="en-US" dirty="0"/>
           </a:p>
         </p:txBody>
       </p:sp>
     </p:spTree>
-    <p:clrMapOvr>
-      <a:masterClrMapping xmlns:a="http://schemas.openxmlformats.org/drawingml/2006/main"/>
-    </p:clrMapOvr>
+    <p:extLst>
+      <p:ext uri="{BB962C8B-B14F-4D97-AF65-F5344CB8AC3E}">
+        <p14:creationId xmlns:p14="http://schemas.microsoft.com/office/powerpoint/2010/main" val="3393558456"/>
+      </p:ext>
+    </p:extLst>
   </p:cSld>
+  <p:clrMapOvr>
+    <a:masterClrMapping/>
+  </p:clrMapOvr>
 </p:sld>
 </file>
 
-<file path=ppt/slides/slide5.xml><?xml version="1.0" encoding="utf-8"?>
-<p:sld xmlns:p="http://schemas.openxmlformats.org/presentationml/2006/main">
+<file path=ppt/slides/slide3.xml><?xml version="1.0" encoding="utf-8"?>
+<p:sld xmlns:a="http://schemas.openxmlformats.org/drawingml/2006/main" xmlns:r="http://schemas.openxmlformats.org/officeDocument/2006/relationships" xmlns:p="http://schemas.openxmlformats.org/presentationml/2006/main">
   <p:cSld>
     <p:spTree>
       <p:nvGrpSpPr>
@@ -4086,39 +4499,162 @@
         <p:cNvGrpSpPr/>
         <p:nvPr/>
       </p:nvGrpSpPr>
-      <p:grpSpPr/>
+      <p:grpSpPr>
+        <a:xfrm>
+          <a:off x="0" y="0"/>
+          <a:ext cx="0" cy="0"/>
+          <a:chOff x="0" y="0"/>
+          <a:chExt cx="0" cy="0"/>
+        </a:xfrm>
+      </p:grpSpPr>
+      <p:sp>
+        <p:nvSpPr>
+          <p:cNvPr id="2" name="Title 1">
+            <a:extLst>
+              <a:ext uri="{FF2B5EF4-FFF2-40B4-BE49-F238E27FC236}">
+                <a16:creationId xmlns:a16="http://schemas.microsoft.com/office/drawing/2014/main" id="{35F492BA-A353-0647-8DFF-46E86A7C2B1D}"/>
+              </a:ext>
+            </a:extLst>
+          </p:cNvPr>
+          <p:cNvSpPr>
+            <a:spLocks noGrp="1"/>
+          </p:cNvSpPr>
+          <p:nvPr>
+            <p:ph type="title"/>
+          </p:nvPr>
+        </p:nvSpPr>
+        <p:spPr/>
+        <p:txBody>
+          <a:bodyPr/>
+          <a:lstStyle/>
+          <a:p>
+            <a:r>
+              <a:rPr lang="en-US" dirty="0"/>
+              <a:t>Dataset Content</a:t>
+            </a:r>
+          </a:p>
+        </p:txBody>
+      </p:sp>
+      <p:sp>
+        <p:nvSpPr>
+          <p:cNvPr id="3" name="Content Placeholder 2">
+            <a:extLst>
+              <a:ext uri="{FF2B5EF4-FFF2-40B4-BE49-F238E27FC236}">
+                <a16:creationId xmlns:a16="http://schemas.microsoft.com/office/drawing/2014/main" id="{67399CBF-E3FA-8D4C-9C43-9A5BCBDF9425}"/>
+              </a:ext>
+            </a:extLst>
+          </p:cNvPr>
+          <p:cNvSpPr>
+            <a:spLocks noGrp="1"/>
+          </p:cNvSpPr>
+          <p:nvPr>
+            <p:ph idx="1"/>
+          </p:nvPr>
+        </p:nvSpPr>
+        <p:spPr/>
+        <p:txBody>
+          <a:bodyPr/>
+          <a:lstStyle/>
+          <a:p>
+            <a:r>
+              <a:rPr lang="en-US" dirty="0"/>
+              <a:t>Country: country data</a:t>
+            </a:r>
+          </a:p>
+          <a:p>
+            <a:r>
+              <a:rPr lang="en-US" dirty="0"/>
+              <a:t>Adjusted, average, and standard (deviation) satisfaction: value of satisfaction in each country</a:t>
+            </a:r>
+          </a:p>
+          <a:p>
+            <a:r>
+              <a:rPr lang="en-US" dirty="0"/>
+              <a:t>Average and median income: value of income of each country</a:t>
+            </a:r>
+          </a:p>
+          <a:p>
+            <a:r>
+              <a:rPr lang="en-US" dirty="0"/>
+              <a:t>Region: division of countries by region in the world</a:t>
+            </a:r>
+          </a:p>
+          <a:p>
+            <a:r>
+              <a:rPr lang="en-US" dirty="0"/>
+              <a:t>Happy Score: the world happiness publication report by UN</a:t>
+            </a:r>
+          </a:p>
+          <a:p>
+            <a:r>
+              <a:rPr lang="en-US" dirty="0"/>
+              <a:t>GDP Score: monetary measure of the market value of all the final goods and services produced in a specific time period.</a:t>
+            </a:r>
+          </a:p>
+        </p:txBody>
+      </p:sp>
+    </p:spTree>
+    <p:extLst>
+      <p:ext uri="{BB962C8B-B14F-4D97-AF65-F5344CB8AC3E}">
+        <p14:creationId xmlns:p14="http://schemas.microsoft.com/office/powerpoint/2010/main" val="2181623842"/>
+      </p:ext>
+    </p:extLst>
+  </p:cSld>
+  <p:clrMapOvr>
+    <a:masterClrMapping/>
+  </p:clrMapOvr>
+</p:sld>
+</file>
+
+<file path=ppt/slides/slide4.xml><?xml version="1.0" encoding="utf-8"?>
+<p:sld xmlns:a="http://schemas.openxmlformats.org/drawingml/2006/main" xmlns:r="http://schemas.openxmlformats.org/officeDocument/2006/relationships" xmlns:p="http://schemas.openxmlformats.org/presentationml/2006/main">
+  <p:cSld>
+    <p:spTree>
+      <p:nvGrpSpPr>
+        <p:cNvPr id="1" name=""/>
+        <p:cNvGrpSpPr/>
+        <p:nvPr/>
+      </p:nvGrpSpPr>
+      <p:grpSpPr>
+        <a:xfrm>
+          <a:off x="0" y="0"/>
+          <a:ext cx="0" cy="0"/>
+          <a:chOff x="0" y="0"/>
+          <a:chExt cx="0" cy="0"/>
+        </a:xfrm>
+      </p:grpSpPr>
       <p:pic>
         <p:nvPicPr>
-          <p:cNvPr id="3" name="Picture" title="This slide contains the following visuals: textbox ,clusteredBarChart ,clusteredBarChart. Please refer to the notes on this slide for details">
-            <a:hlinkClick xmlns:r="http://schemas.openxmlformats.org/officeDocument/2006/relationships" xmlns:a="http://schemas.openxmlformats.org/drawingml/2006/main" r:id="RelId3"/>
+          <p:cNvPr id="3" name="Picture" title="This slide contains the following visuals: scatterChart ,textbox. Please refer to the notes on this slide for details">
+            <a:hlinkClick r:id="rId3"/>
           </p:cNvPr>
           <p:cNvPicPr>
-            <a:picLocks xmlns:a="http://schemas.openxmlformats.org/drawingml/2006/main" noChangeAspect="1"/>
+            <a:picLocks noChangeAspect="1"/>
           </p:cNvPicPr>
           <p:nvPr/>
         </p:nvPicPr>
         <p:blipFill>
-          <a:blip xmlns:r="http://schemas.openxmlformats.org/officeDocument/2006/relationships" xmlns:a="http://schemas.openxmlformats.org/drawingml/2006/main" r:embed="imgId10900639"/>
-          <a:stretch xmlns:a="http://schemas.openxmlformats.org/drawingml/2006/main">
+          <a:blip r:embed="rId4"/>
+          <a:stretch>
             <a:fillRect/>
           </a:stretch>
         </p:blipFill>
         <p:spPr>
-          <a:xfrm xmlns:a="http://schemas.openxmlformats.org/drawingml/2006/main">
+          <a:xfrm>
             <a:off x="76200" y="0"/>
             <a:ext cx="12020550" cy="6858000"/>
           </a:xfrm>
-          <a:prstGeom xmlns:a="http://schemas.openxmlformats.org/drawingml/2006/main" prst="rect">
+          <a:prstGeom prst="rect">
             <a:avLst/>
           </a:prstGeom>
-          <a:noFill xmlns:a="http://schemas.openxmlformats.org/drawingml/2006/main"/>
+          <a:noFill/>
         </p:spPr>
       </p:pic>
       <p:sp>
         <p:nvSpPr>
           <p:cNvPr id="4" name="Title" hidden="1"/>
           <p:cNvSpPr>
-            <a:spLocks xmlns:a="http://schemas.openxmlformats.org/drawingml/2006/main" noGrp="1"/>
+            <a:spLocks noGrp="1"/>
           </p:cNvSpPr>
           <p:nvPr>
             <p:ph type="title"/>
@@ -4126,20 +4662,439 @@
         </p:nvSpPr>
         <p:spPr/>
         <p:txBody>
-          <a:bodyPr xmlns:a="http://schemas.openxmlformats.org/drawingml/2006/main"/>
-          <a:lstStyle xmlns:a="http://schemas.openxmlformats.org/drawingml/2006/main"/>
-          <a:p xmlns:a="http://schemas.openxmlformats.org/drawingml/2006/main">
-            <a:r>
-              <a:t>Top 10</a:t>
+          <a:bodyPr/>
+          <a:lstStyle/>
+          <a:p>
+            <a:r>
+              <a:t>Sebaran</a:t>
             </a:r>
           </a:p>
         </p:txBody>
       </p:sp>
     </p:spTree>
-    <p:clrMapOvr>
-      <a:masterClrMapping xmlns:a="http://schemas.openxmlformats.org/drawingml/2006/main"/>
-    </p:clrMapOvr>
   </p:cSld>
+  <p:clrMapOvr>
+    <a:masterClrMapping/>
+  </p:clrMapOvr>
+</p:sld>
+</file>
+
+<file path=ppt/slides/slide5.xml><?xml version="1.0" encoding="utf-8"?>
+<p:sld xmlns:a="http://schemas.openxmlformats.org/drawingml/2006/main" xmlns:r="http://schemas.openxmlformats.org/officeDocument/2006/relationships" xmlns:p="http://schemas.openxmlformats.org/presentationml/2006/main">
+  <p:cSld>
+    <p:spTree>
+      <p:nvGrpSpPr>
+        <p:cNvPr id="1" name=""/>
+        <p:cNvGrpSpPr/>
+        <p:nvPr/>
+      </p:nvGrpSpPr>
+      <p:grpSpPr>
+        <a:xfrm>
+          <a:off x="0" y="0"/>
+          <a:ext cx="0" cy="0"/>
+          <a:chOff x="0" y="0"/>
+          <a:chExt cx="0" cy="0"/>
+        </a:xfrm>
+      </p:grpSpPr>
+      <p:sp>
+        <p:nvSpPr>
+          <p:cNvPr id="2" name="Title 1">
+            <a:extLst>
+              <a:ext uri="{FF2B5EF4-FFF2-40B4-BE49-F238E27FC236}">
+                <a16:creationId xmlns:a16="http://schemas.microsoft.com/office/drawing/2014/main" id="{54773521-C12A-4C42-9CC7-5C371E0B8162}"/>
+              </a:ext>
+            </a:extLst>
+          </p:cNvPr>
+          <p:cNvSpPr>
+            <a:spLocks noGrp="1"/>
+          </p:cNvSpPr>
+          <p:nvPr>
+            <p:ph type="title"/>
+          </p:nvPr>
+        </p:nvSpPr>
+        <p:spPr/>
+        <p:txBody>
+          <a:bodyPr/>
+          <a:lstStyle/>
+          <a:p>
+            <a:r>
+              <a:rPr lang="en-US" dirty="0"/>
+              <a:t>Insights</a:t>
+            </a:r>
+          </a:p>
+        </p:txBody>
+      </p:sp>
+      <p:sp>
+        <p:nvSpPr>
+          <p:cNvPr id="3" name="Content Placeholder 2">
+            <a:extLst>
+              <a:ext uri="{FF2B5EF4-FFF2-40B4-BE49-F238E27FC236}">
+                <a16:creationId xmlns:a16="http://schemas.microsoft.com/office/drawing/2014/main" id="{9B4D4C44-20B3-C24D-997D-6564D39841EA}"/>
+              </a:ext>
+            </a:extLst>
+          </p:cNvPr>
+          <p:cNvSpPr>
+            <a:spLocks noGrp="1"/>
+          </p:cNvSpPr>
+          <p:nvPr>
+            <p:ph idx="1"/>
+          </p:nvPr>
+        </p:nvSpPr>
+        <p:spPr/>
+        <p:txBody>
+          <a:bodyPr/>
+          <a:lstStyle/>
+          <a:p>
+            <a:r>
+              <a:rPr lang="en-US" dirty="0"/>
+              <a:t>There is only one country that is actually on the far right as the happiest country with the highest GDP</a:t>
+            </a:r>
+          </a:p>
+          <a:p>
+            <a:r>
+              <a:rPr lang="en-US" dirty="0"/>
+              <a:t>Some countries are at a low level of happiness, even though they have above-average GDP</a:t>
+            </a:r>
+          </a:p>
+          <a:p>
+            <a:endParaRPr lang="en-US" dirty="0"/>
+          </a:p>
+        </p:txBody>
+      </p:sp>
+    </p:spTree>
+    <p:extLst>
+      <p:ext uri="{BB962C8B-B14F-4D97-AF65-F5344CB8AC3E}">
+        <p14:creationId xmlns:p14="http://schemas.microsoft.com/office/powerpoint/2010/main" val="2099959508"/>
+      </p:ext>
+    </p:extLst>
+  </p:cSld>
+  <p:clrMapOvr>
+    <a:masterClrMapping/>
+  </p:clrMapOvr>
+</p:sld>
+</file>
+
+<file path=ppt/slides/slide6.xml><?xml version="1.0" encoding="utf-8"?>
+<p:sld xmlns:a="http://schemas.openxmlformats.org/drawingml/2006/main" xmlns:r="http://schemas.openxmlformats.org/officeDocument/2006/relationships" xmlns:p="http://schemas.openxmlformats.org/presentationml/2006/main">
+  <p:cSld>
+    <p:spTree>
+      <p:nvGrpSpPr>
+        <p:cNvPr id="1" name=""/>
+        <p:cNvGrpSpPr/>
+        <p:nvPr/>
+      </p:nvGrpSpPr>
+      <p:grpSpPr>
+        <a:xfrm>
+          <a:off x="0" y="0"/>
+          <a:ext cx="0" cy="0"/>
+          <a:chOff x="0" y="0"/>
+          <a:chExt cx="0" cy="0"/>
+        </a:xfrm>
+      </p:grpSpPr>
+      <p:pic>
+        <p:nvPicPr>
+          <p:cNvPr id="3" name="Picture" title="This slide contains the following visuals: textbox ,donutChart ,donutChart. Please refer to the notes on this slide for details">
+            <a:hlinkClick r:id="rId3"/>
+          </p:cNvPr>
+          <p:cNvPicPr>
+            <a:picLocks noChangeAspect="1"/>
+          </p:cNvPicPr>
+          <p:nvPr/>
+        </p:nvPicPr>
+        <p:blipFill>
+          <a:blip r:embed="rId4"/>
+          <a:stretch>
+            <a:fillRect/>
+          </a:stretch>
+        </p:blipFill>
+        <p:spPr>
+          <a:xfrm>
+            <a:off x="76200" y="0"/>
+            <a:ext cx="12020550" cy="6858000"/>
+          </a:xfrm>
+          <a:prstGeom prst="rect">
+            <a:avLst/>
+          </a:prstGeom>
+          <a:noFill/>
+        </p:spPr>
+      </p:pic>
+      <p:sp>
+        <p:nvSpPr>
+          <p:cNvPr id="4" name="Title" hidden="1"/>
+          <p:cNvSpPr>
+            <a:spLocks noGrp="1"/>
+          </p:cNvSpPr>
+          <p:nvPr>
+            <p:ph type="title"/>
+          </p:nvPr>
+        </p:nvSpPr>
+        <p:spPr/>
+        <p:txBody>
+          <a:bodyPr/>
+          <a:lstStyle/>
+          <a:p>
+            <a:r>
+              <a:t>Rata-rata</a:t>
+            </a:r>
+          </a:p>
+        </p:txBody>
+      </p:sp>
+    </p:spTree>
+  </p:cSld>
+  <p:clrMapOvr>
+    <a:masterClrMapping/>
+  </p:clrMapOvr>
+</p:sld>
+</file>
+
+<file path=ppt/slides/slide7.xml><?xml version="1.0" encoding="utf-8"?>
+<p:sld xmlns:a="http://schemas.openxmlformats.org/drawingml/2006/main" xmlns:r="http://schemas.openxmlformats.org/officeDocument/2006/relationships" xmlns:p="http://schemas.openxmlformats.org/presentationml/2006/main">
+  <p:cSld>
+    <p:spTree>
+      <p:nvGrpSpPr>
+        <p:cNvPr id="1" name=""/>
+        <p:cNvGrpSpPr/>
+        <p:nvPr/>
+      </p:nvGrpSpPr>
+      <p:grpSpPr>
+        <a:xfrm>
+          <a:off x="0" y="0"/>
+          <a:ext cx="0" cy="0"/>
+          <a:chOff x="0" y="0"/>
+          <a:chExt cx="0" cy="0"/>
+        </a:xfrm>
+      </p:grpSpPr>
+      <p:sp>
+        <p:nvSpPr>
+          <p:cNvPr id="2" name="Title 1">
+            <a:extLst>
+              <a:ext uri="{FF2B5EF4-FFF2-40B4-BE49-F238E27FC236}">
+                <a16:creationId xmlns:a16="http://schemas.microsoft.com/office/drawing/2014/main" id="{54773521-C12A-4C42-9CC7-5C371E0B8162}"/>
+              </a:ext>
+            </a:extLst>
+          </p:cNvPr>
+          <p:cNvSpPr>
+            <a:spLocks noGrp="1"/>
+          </p:cNvSpPr>
+          <p:nvPr>
+            <p:ph type="title"/>
+          </p:nvPr>
+        </p:nvSpPr>
+        <p:spPr/>
+        <p:txBody>
+          <a:bodyPr/>
+          <a:lstStyle/>
+          <a:p>
+            <a:r>
+              <a:rPr lang="en-US" dirty="0"/>
+              <a:t>Insights</a:t>
+            </a:r>
+          </a:p>
+        </p:txBody>
+      </p:sp>
+      <p:sp>
+        <p:nvSpPr>
+          <p:cNvPr id="3" name="Content Placeholder 2">
+            <a:extLst>
+              <a:ext uri="{FF2B5EF4-FFF2-40B4-BE49-F238E27FC236}">
+                <a16:creationId xmlns:a16="http://schemas.microsoft.com/office/drawing/2014/main" id="{9B4D4C44-20B3-C24D-997D-6564D39841EA}"/>
+              </a:ext>
+            </a:extLst>
+          </p:cNvPr>
+          <p:cNvSpPr>
+            <a:spLocks noGrp="1"/>
+          </p:cNvSpPr>
+          <p:nvPr>
+            <p:ph idx="1"/>
+          </p:nvPr>
+        </p:nvSpPr>
+        <p:spPr/>
+        <p:txBody>
+          <a:bodyPr/>
+          <a:lstStyle/>
+          <a:p>
+            <a:r>
+              <a:rPr lang="en-US" dirty="0"/>
+              <a:t>Some parts of the country in Africa still have higher happiness rates, when compared directly to the value of their GDP.</a:t>
+            </a:r>
+          </a:p>
+          <a:p>
+            <a:r>
+              <a:rPr lang="en-US" dirty="0"/>
+              <a:t>Countries in Europe have GDP and happiness levels that are directly proportional.</a:t>
+            </a:r>
+          </a:p>
+        </p:txBody>
+      </p:sp>
+    </p:spTree>
+    <p:extLst>
+      <p:ext uri="{BB962C8B-B14F-4D97-AF65-F5344CB8AC3E}">
+        <p14:creationId xmlns:p14="http://schemas.microsoft.com/office/powerpoint/2010/main" val="3601780113"/>
+      </p:ext>
+    </p:extLst>
+  </p:cSld>
+  <p:clrMapOvr>
+    <a:masterClrMapping/>
+  </p:clrMapOvr>
+</p:sld>
+</file>
+
+<file path=ppt/slides/slide8.xml><?xml version="1.0" encoding="utf-8"?>
+<p:sld xmlns:a="http://schemas.openxmlformats.org/drawingml/2006/main" xmlns:r="http://schemas.openxmlformats.org/officeDocument/2006/relationships" xmlns:p="http://schemas.openxmlformats.org/presentationml/2006/main">
+  <p:cSld>
+    <p:spTree>
+      <p:nvGrpSpPr>
+        <p:cNvPr id="1" name=""/>
+        <p:cNvGrpSpPr/>
+        <p:nvPr/>
+      </p:nvGrpSpPr>
+      <p:grpSpPr>
+        <a:xfrm>
+          <a:off x="0" y="0"/>
+          <a:ext cx="0" cy="0"/>
+          <a:chOff x="0" y="0"/>
+          <a:chExt cx="0" cy="0"/>
+        </a:xfrm>
+      </p:grpSpPr>
+      <p:pic>
+        <p:nvPicPr>
+          <p:cNvPr id="3" name="Picture" title="This slide contains the following visuals: textbox ,donutChart ,donutChart. Please refer to the notes on this slide for details">
+            <a:hlinkClick r:id="rId3"/>
+          </p:cNvPr>
+          <p:cNvPicPr>
+            <a:picLocks noChangeAspect="1"/>
+          </p:cNvPicPr>
+          <p:nvPr/>
+        </p:nvPicPr>
+        <p:blipFill>
+          <a:blip r:embed="rId4"/>
+          <a:stretch>
+            <a:fillRect/>
+          </a:stretch>
+        </p:blipFill>
+        <p:spPr>
+          <a:xfrm>
+            <a:off x="76200" y="0"/>
+            <a:ext cx="12020550" cy="6858000"/>
+          </a:xfrm>
+          <a:prstGeom prst="rect">
+            <a:avLst/>
+          </a:prstGeom>
+          <a:noFill/>
+        </p:spPr>
+      </p:pic>
+      <p:sp>
+        <p:nvSpPr>
+          <p:cNvPr id="4" name="Title" hidden="1"/>
+          <p:cNvSpPr>
+            <a:spLocks noGrp="1"/>
+          </p:cNvSpPr>
+          <p:nvPr>
+            <p:ph type="title"/>
+          </p:nvPr>
+        </p:nvSpPr>
+        <p:spPr/>
+        <p:txBody>
+          <a:bodyPr/>
+          <a:lstStyle/>
+          <a:p>
+            <a:r>
+              <a:t>Total</a:t>
+            </a:r>
+          </a:p>
+        </p:txBody>
+      </p:sp>
+    </p:spTree>
+  </p:cSld>
+  <p:clrMapOvr>
+    <a:masterClrMapping/>
+  </p:clrMapOvr>
+</p:sld>
+</file>
+
+<file path=ppt/slides/slide9.xml><?xml version="1.0" encoding="utf-8"?>
+<p:sld xmlns:a="http://schemas.openxmlformats.org/drawingml/2006/main" xmlns:r="http://schemas.openxmlformats.org/officeDocument/2006/relationships" xmlns:p="http://schemas.openxmlformats.org/presentationml/2006/main">
+  <p:cSld>
+    <p:spTree>
+      <p:nvGrpSpPr>
+        <p:cNvPr id="1" name=""/>
+        <p:cNvGrpSpPr/>
+        <p:nvPr/>
+      </p:nvGrpSpPr>
+      <p:grpSpPr>
+        <a:xfrm>
+          <a:off x="0" y="0"/>
+          <a:ext cx="0" cy="0"/>
+          <a:chOff x="0" y="0"/>
+          <a:chExt cx="0" cy="0"/>
+        </a:xfrm>
+      </p:grpSpPr>
+      <p:sp>
+        <p:nvSpPr>
+          <p:cNvPr id="2" name="Title 1">
+            <a:extLst>
+              <a:ext uri="{FF2B5EF4-FFF2-40B4-BE49-F238E27FC236}">
+                <a16:creationId xmlns:a16="http://schemas.microsoft.com/office/drawing/2014/main" id="{54773521-C12A-4C42-9CC7-5C371E0B8162}"/>
+              </a:ext>
+            </a:extLst>
+          </p:cNvPr>
+          <p:cNvSpPr>
+            <a:spLocks noGrp="1"/>
+          </p:cNvSpPr>
+          <p:nvPr>
+            <p:ph type="title"/>
+          </p:nvPr>
+        </p:nvSpPr>
+        <p:spPr/>
+        <p:txBody>
+          <a:bodyPr/>
+          <a:lstStyle/>
+          <a:p>
+            <a:r>
+              <a:rPr lang="en-US" dirty="0"/>
+              <a:t>Insights</a:t>
+            </a:r>
+          </a:p>
+        </p:txBody>
+      </p:sp>
+      <p:sp>
+        <p:nvSpPr>
+          <p:cNvPr id="3" name="Content Placeholder 2">
+            <a:extLst>
+              <a:ext uri="{FF2B5EF4-FFF2-40B4-BE49-F238E27FC236}">
+                <a16:creationId xmlns:a16="http://schemas.microsoft.com/office/drawing/2014/main" id="{9B4D4C44-20B3-C24D-997D-6564D39841EA}"/>
+              </a:ext>
+            </a:extLst>
+          </p:cNvPr>
+          <p:cNvSpPr>
+            <a:spLocks noGrp="1"/>
+          </p:cNvSpPr>
+          <p:nvPr>
+            <p:ph idx="1"/>
+          </p:nvPr>
+        </p:nvSpPr>
+        <p:spPr/>
+        <p:txBody>
+          <a:bodyPr/>
+          <a:lstStyle/>
+          <a:p>
+            <a:r>
+              <a:rPr lang="en-US" dirty="0"/>
+              <a:t>In total, countries in Sub-Saharan and South Asia have a proportionally higher value of total happiness compared to the total GDP of the countries in those parts.</a:t>
+            </a:r>
+          </a:p>
+        </p:txBody>
+      </p:sp>
+    </p:spTree>
+    <p:extLst>
+      <p:ext uri="{BB962C8B-B14F-4D97-AF65-F5344CB8AC3E}">
+        <p14:creationId xmlns:p14="http://schemas.microsoft.com/office/powerpoint/2010/main" val="3918337126"/>
+      </p:ext>
+    </p:extLst>
+  </p:cSld>
+  <p:clrMapOvr>
+    <a:masterClrMapping/>
+  </p:clrMapOvr>
 </p:sld>
 </file>
 
@@ -4402,4 +5357,299 @@
     </a:ext>
   </a:extLst>
 </a:theme>
+</file>
+
+<file path=ppt/theme/theme2.xml><?xml version="1.0" encoding="utf-8"?>
+<a:theme xmlns:a="http://schemas.openxmlformats.org/drawingml/2006/main" name="Office Theme">
+  <a:themeElements>
+    <a:clrScheme name="Office">
+      <a:dk1>
+        <a:sysClr val="windowText" lastClr="000000"/>
+      </a:dk1>
+      <a:lt1>
+        <a:sysClr val="window" lastClr="FFFFFF"/>
+      </a:lt1>
+      <a:dk2>
+        <a:srgbClr val="44546A"/>
+      </a:dk2>
+      <a:lt2>
+        <a:srgbClr val="E7E6E6"/>
+      </a:lt2>
+      <a:accent1>
+        <a:srgbClr val="4472C4"/>
+      </a:accent1>
+      <a:accent2>
+        <a:srgbClr val="ED7D31"/>
+      </a:accent2>
+      <a:accent3>
+        <a:srgbClr val="A5A5A5"/>
+      </a:accent3>
+      <a:accent4>
+        <a:srgbClr val="FFC000"/>
+      </a:accent4>
+      <a:accent5>
+        <a:srgbClr val="5B9BD5"/>
+      </a:accent5>
+      <a:accent6>
+        <a:srgbClr val="70AD47"/>
+      </a:accent6>
+      <a:hlink>
+        <a:srgbClr val="0563C1"/>
+      </a:hlink>
+      <a:folHlink>
+        <a:srgbClr val="954F72"/>
+      </a:folHlink>
+    </a:clrScheme>
+    <a:fontScheme name="Office">
+      <a:majorFont>
+        <a:latin typeface="Calibri Light" panose="020F0302020204030204"/>
+        <a:ea typeface=""/>
+        <a:cs typeface=""/>
+        <a:font script="Jpan" typeface="游ゴシック Light"/>
+        <a:font script="Hang" typeface="맑은 고딕"/>
+        <a:font script="Hans" typeface="等线 Light"/>
+        <a:font script="Hant" typeface="新細明體"/>
+        <a:font script="Arab" typeface="Times New Roman"/>
+        <a:font script="Hebr" typeface="Times New Roman"/>
+        <a:font script="Thai" typeface="Angsana New"/>
+        <a:font script="Ethi" typeface="Nyala"/>
+        <a:font script="Beng" typeface="Vrinda"/>
+        <a:font script="Gujr" typeface="Shruti"/>
+        <a:font script="Khmr" typeface="MoolBoran"/>
+        <a:font script="Knda" typeface="Tunga"/>
+        <a:font script="Guru" typeface="Raavi"/>
+        <a:font script="Cans" typeface="Euphemia"/>
+        <a:font script="Cher" typeface="Plantagenet Cherokee"/>
+        <a:font script="Yiii" typeface="Microsoft Yi Baiti"/>
+        <a:font script="Tibt" typeface="Microsoft Himalaya"/>
+        <a:font script="Thaa" typeface="MV Boli"/>
+        <a:font script="Deva" typeface="Mangal"/>
+        <a:font script="Telu" typeface="Gautami"/>
+        <a:font script="Taml" typeface="Latha"/>
+        <a:font script="Syrc" typeface="Estrangelo Edessa"/>
+        <a:font script="Orya" typeface="Kalinga"/>
+        <a:font script="Mlym" typeface="Kartika"/>
+        <a:font script="Laoo" typeface="DokChampa"/>
+        <a:font script="Sinh" typeface="Iskoola Pota"/>
+        <a:font script="Mong" typeface="Mongolian Baiti"/>
+        <a:font script="Viet" typeface="Times New Roman"/>
+        <a:font script="Uigh" typeface="Microsoft Uighur"/>
+        <a:font script="Geor" typeface="Sylfaen"/>
+        <a:font script="Armn" typeface="Arial"/>
+        <a:font script="Bugi" typeface="Leelawadee UI"/>
+        <a:font script="Bopo" typeface="Microsoft JhengHei"/>
+        <a:font script="Java" typeface="Javanese Text"/>
+        <a:font script="Lisu" typeface="Segoe UI"/>
+        <a:font script="Mymr" typeface="Myanmar Text"/>
+        <a:font script="Nkoo" typeface="Ebrima"/>
+        <a:font script="Olck" typeface="Nirmala UI"/>
+        <a:font script="Osma" typeface="Ebrima"/>
+        <a:font script="Phag" typeface="Phagspa"/>
+        <a:font script="Syrn" typeface="Estrangelo Edessa"/>
+        <a:font script="Syrj" typeface="Estrangelo Edessa"/>
+        <a:font script="Syre" typeface="Estrangelo Edessa"/>
+        <a:font script="Sora" typeface="Nirmala UI"/>
+        <a:font script="Tale" typeface="Microsoft Tai Le"/>
+        <a:font script="Talu" typeface="Microsoft New Tai Lue"/>
+        <a:font script="Tfng" typeface="Ebrima"/>
+      </a:majorFont>
+      <a:minorFont>
+        <a:latin typeface="Calibri" panose="020F0502020204030204"/>
+        <a:ea typeface=""/>
+        <a:cs typeface=""/>
+        <a:font script="Jpan" typeface="游ゴシック"/>
+        <a:font script="Hang" typeface="맑은 고딕"/>
+        <a:font script="Hans" typeface="等线"/>
+        <a:font script="Hant" typeface="新細明體"/>
+        <a:font script="Arab" typeface="Arial"/>
+        <a:font script="Hebr" typeface="Arial"/>
+        <a:font script="Thai" typeface="Cordia New"/>
+        <a:font script="Ethi" typeface="Nyala"/>
+        <a:font script="Beng" typeface="Vrinda"/>
+        <a:font script="Gujr" typeface="Shruti"/>
+        <a:font script="Khmr" typeface="DaunPenh"/>
+        <a:font script="Knda" typeface="Tunga"/>
+        <a:font script="Guru" typeface="Raavi"/>
+        <a:font script="Cans" typeface="Euphemia"/>
+        <a:font script="Cher" typeface="Plantagenet Cherokee"/>
+        <a:font script="Yiii" typeface="Microsoft Yi Baiti"/>
+        <a:font script="Tibt" typeface="Microsoft Himalaya"/>
+        <a:font script="Thaa" typeface="MV Boli"/>
+        <a:font script="Deva" typeface="Mangal"/>
+        <a:font script="Telu" typeface="Gautami"/>
+        <a:font script="Taml" typeface="Latha"/>
+        <a:font script="Syrc" typeface="Estrangelo Edessa"/>
+        <a:font script="Orya" typeface="Kalinga"/>
+        <a:font script="Mlym" typeface="Kartika"/>
+        <a:font script="Laoo" typeface="DokChampa"/>
+        <a:font script="Sinh" typeface="Iskoola Pota"/>
+        <a:font script="Mong" typeface="Mongolian Baiti"/>
+        <a:font script="Viet" typeface="Arial"/>
+        <a:font script="Uigh" typeface="Microsoft Uighur"/>
+        <a:font script="Geor" typeface="Sylfaen"/>
+        <a:font script="Armn" typeface="Arial"/>
+        <a:font script="Bugi" typeface="Leelawadee UI"/>
+        <a:font script="Bopo" typeface="Microsoft JhengHei"/>
+        <a:font script="Java" typeface="Javanese Text"/>
+        <a:font script="Lisu" typeface="Segoe UI"/>
+        <a:font script="Mymr" typeface="Myanmar Text"/>
+        <a:font script="Nkoo" typeface="Ebrima"/>
+        <a:font script="Olck" typeface="Nirmala UI"/>
+        <a:font script="Osma" typeface="Ebrima"/>
+        <a:font script="Phag" typeface="Phagspa"/>
+        <a:font script="Syrn" typeface="Estrangelo Edessa"/>
+        <a:font script="Syrj" typeface="Estrangelo Edessa"/>
+        <a:font script="Syre" typeface="Estrangelo Edessa"/>
+        <a:font script="Sora" typeface="Nirmala UI"/>
+        <a:font script="Tale" typeface="Microsoft Tai Le"/>
+        <a:font script="Talu" typeface="Microsoft New Tai Lue"/>
+        <a:font script="Tfng" typeface="Ebrima"/>
+      </a:minorFont>
+    </a:fontScheme>
+    <a:fmtScheme name="Office">
+      <a:fillStyleLst>
+        <a:solidFill>
+          <a:schemeClr val="phClr"/>
+        </a:solidFill>
+        <a:gradFill rotWithShape="1">
+          <a:gsLst>
+            <a:gs pos="0">
+              <a:schemeClr val="phClr">
+                <a:lumMod val="110000"/>
+                <a:satMod val="105000"/>
+                <a:tint val="67000"/>
+              </a:schemeClr>
+            </a:gs>
+            <a:gs pos="50000">
+              <a:schemeClr val="phClr">
+                <a:lumMod val="105000"/>
+                <a:satMod val="103000"/>
+                <a:tint val="73000"/>
+              </a:schemeClr>
+            </a:gs>
+            <a:gs pos="100000">
+              <a:schemeClr val="phClr">
+                <a:lumMod val="105000"/>
+                <a:satMod val="109000"/>
+                <a:tint val="81000"/>
+              </a:schemeClr>
+            </a:gs>
+          </a:gsLst>
+          <a:lin ang="5400000" scaled="0"/>
+        </a:gradFill>
+        <a:gradFill rotWithShape="1">
+          <a:gsLst>
+            <a:gs pos="0">
+              <a:schemeClr val="phClr">
+                <a:satMod val="103000"/>
+                <a:lumMod val="102000"/>
+                <a:tint val="94000"/>
+              </a:schemeClr>
+            </a:gs>
+            <a:gs pos="50000">
+              <a:schemeClr val="phClr">
+                <a:satMod val="110000"/>
+                <a:lumMod val="100000"/>
+                <a:shade val="100000"/>
+              </a:schemeClr>
+            </a:gs>
+            <a:gs pos="100000">
+              <a:schemeClr val="phClr">
+                <a:lumMod val="99000"/>
+                <a:satMod val="120000"/>
+                <a:shade val="78000"/>
+              </a:schemeClr>
+            </a:gs>
+          </a:gsLst>
+          <a:lin ang="5400000" scaled="0"/>
+        </a:gradFill>
+      </a:fillStyleLst>
+      <a:lnStyleLst>
+        <a:ln w="6350" cap="flat" cmpd="sng" algn="ctr">
+          <a:solidFill>
+            <a:schemeClr val="phClr"/>
+          </a:solidFill>
+          <a:prstDash val="solid"/>
+          <a:miter lim="800000"/>
+        </a:ln>
+        <a:ln w="12700" cap="flat" cmpd="sng" algn="ctr">
+          <a:solidFill>
+            <a:schemeClr val="phClr"/>
+          </a:solidFill>
+          <a:prstDash val="solid"/>
+          <a:miter lim="800000"/>
+        </a:ln>
+        <a:ln w="19050" cap="flat" cmpd="sng" algn="ctr">
+          <a:solidFill>
+            <a:schemeClr val="phClr"/>
+          </a:solidFill>
+          <a:prstDash val="solid"/>
+          <a:miter lim="800000"/>
+        </a:ln>
+      </a:lnStyleLst>
+      <a:effectStyleLst>
+        <a:effectStyle>
+          <a:effectLst/>
+        </a:effectStyle>
+        <a:effectStyle>
+          <a:effectLst/>
+        </a:effectStyle>
+        <a:effectStyle>
+          <a:effectLst>
+            <a:outerShdw blurRad="57150" dist="19050" dir="5400000" algn="ctr" rotWithShape="0">
+              <a:srgbClr val="000000">
+                <a:alpha val="63000"/>
+              </a:srgbClr>
+            </a:outerShdw>
+          </a:effectLst>
+        </a:effectStyle>
+      </a:effectStyleLst>
+      <a:bgFillStyleLst>
+        <a:solidFill>
+          <a:schemeClr val="phClr"/>
+        </a:solidFill>
+        <a:solidFill>
+          <a:schemeClr val="phClr">
+            <a:tint val="95000"/>
+            <a:satMod val="170000"/>
+          </a:schemeClr>
+        </a:solidFill>
+        <a:gradFill rotWithShape="1">
+          <a:gsLst>
+            <a:gs pos="0">
+              <a:schemeClr val="phClr">
+                <a:tint val="93000"/>
+                <a:satMod val="150000"/>
+                <a:shade val="98000"/>
+                <a:lumMod val="102000"/>
+              </a:schemeClr>
+            </a:gs>
+            <a:gs pos="50000">
+              <a:schemeClr val="phClr">
+                <a:tint val="98000"/>
+                <a:satMod val="130000"/>
+                <a:shade val="90000"/>
+                <a:lumMod val="103000"/>
+              </a:schemeClr>
+            </a:gs>
+            <a:gs pos="100000">
+              <a:schemeClr val="phClr">
+                <a:shade val="63000"/>
+                <a:satMod val="120000"/>
+              </a:schemeClr>
+            </a:gs>
+          </a:gsLst>
+          <a:lin ang="5400000" scaled="0"/>
+        </a:gradFill>
+      </a:bgFillStyleLst>
+    </a:fmtScheme>
+  </a:themeElements>
+  <a:objectDefaults/>
+  <a:extraClrSchemeLst/>
+  <a:extLst>
+    <a:ext uri="{05A4C25C-085E-4340-85A3-A5531E510DB2}">
+      <thm15:themeFamily xmlns:thm15="http://schemas.microsoft.com/office/thememl/2012/main" name="Office Theme" id="{62F939B6-93AF-4DB8-9C6B-D6C7DFDC589F}" vid="{4A3C46E8-61CC-4603-A589-7422A47A8E4A}"/>
+    </a:ext>
+  </a:extLst>
+</a:theme>
 </file>